--- a/doc/Design pattern/헤드퍼스트 디자인패턴[5~6].pptx
+++ b/doc/Design pattern/헤드퍼스트 디자인패턴[5~6].pptx
@@ -5,14 +5,16 @@
     <p:sldMasterId id="2147483648" r:id="rId1"/>
   </p:sldMasterIdLst>
   <p:notesMasterIdLst>
-    <p:notesMasterId r:id="rId4"/>
+    <p:notesMasterId r:id="rId6"/>
   </p:notesMasterIdLst>
   <p:handoutMasterIdLst>
-    <p:handoutMasterId r:id="rId5"/>
+    <p:handoutMasterId r:id="rId7"/>
   </p:handoutMasterIdLst>
   <p:sldIdLst>
     <p:sldId id="256" r:id="rId2"/>
     <p:sldId id="271" r:id="rId3"/>
+    <p:sldId id="272" r:id="rId4"/>
+    <p:sldId id="273" r:id="rId5"/>
   </p:sldIdLst>
   <p:sldSz cx="12192000" cy="6858000"/>
   <p:notesSz cx="6858000" cy="9144000"/>
@@ -118,6 +120,8 @@
           <p14:sldIdLst>
             <p14:sldId id="256"/>
             <p14:sldId id="271"/>
+            <p14:sldId id="272"/>
+            <p14:sldId id="273"/>
           </p14:sldIdLst>
         </p14:section>
       </p14:sectionLst>
@@ -8046,6 +8050,296 @@
     <p:extLst>
       <p:ext uri="{BB962C8B-B14F-4D97-AF65-F5344CB8AC3E}">
         <p14:creationId xmlns:p14="http://schemas.microsoft.com/office/powerpoint/2010/main" val="3072141882"/>
+      </p:ext>
+    </p:extLst>
+  </p:cSld>
+  <p:clrMapOvr>
+    <a:masterClrMapping/>
+  </p:clrMapOvr>
+</p:sld>
+</file>
+
+<file path=ppt/slides/slide3.xml><?xml version="1.0" encoding="utf-8"?>
+<p:sld xmlns:a="http://schemas.openxmlformats.org/drawingml/2006/main" xmlns:r="http://schemas.openxmlformats.org/officeDocument/2006/relationships" xmlns:p="http://schemas.openxmlformats.org/presentationml/2006/main">
+  <p:cSld>
+    <p:spTree>
+      <p:nvGrpSpPr>
+        <p:cNvPr id="1" name=""/>
+        <p:cNvGrpSpPr/>
+        <p:nvPr/>
+      </p:nvGrpSpPr>
+      <p:grpSpPr>
+        <a:xfrm>
+          <a:off x="0" y="0"/>
+          <a:ext cx="0" cy="0"/>
+          <a:chOff x="0" y="0"/>
+          <a:chExt cx="0" cy="0"/>
+        </a:xfrm>
+      </p:grpSpPr>
+      <p:sp>
+        <p:nvSpPr>
+          <p:cNvPr id="5" name="제목 4">
+            <a:extLst>
+              <a:ext uri="{FF2B5EF4-FFF2-40B4-BE49-F238E27FC236}">
+                <a16:creationId xmlns:a16="http://schemas.microsoft.com/office/drawing/2014/main" id="{1832DE78-53A0-5F3F-C033-0286414D7BE8}"/>
+              </a:ext>
+            </a:extLst>
+          </p:cNvPr>
+          <p:cNvSpPr>
+            <a:spLocks noGrp="1"/>
+          </p:cNvSpPr>
+          <p:nvPr>
+            <p:ph type="title"/>
+          </p:nvPr>
+        </p:nvSpPr>
+        <p:spPr/>
+        <p:txBody>
+          <a:bodyPr>
+            <a:normAutofit fontScale="90000"/>
+          </a:bodyPr>
+          <a:lstStyle/>
+          <a:p>
+            <a:r>
+              <a:rPr lang="ko-KR" altLang="en-US" dirty="0" err="1"/>
+              <a:t>싱글턴</a:t>
+            </a:r>
+            <a:endParaRPr lang="ko-KR" altLang="en-US" dirty="0"/>
+          </a:p>
+        </p:txBody>
+      </p:sp>
+      <p:sp>
+        <p:nvSpPr>
+          <p:cNvPr id="6" name="내용 개체 틀 5">
+            <a:extLst>
+              <a:ext uri="{FF2B5EF4-FFF2-40B4-BE49-F238E27FC236}">
+                <a16:creationId xmlns:a16="http://schemas.microsoft.com/office/drawing/2014/main" id="{3BCBF90B-9EC4-9D9C-E7C7-2BF169FA3989}"/>
+              </a:ext>
+            </a:extLst>
+          </p:cNvPr>
+          <p:cNvSpPr>
+            <a:spLocks noGrp="1"/>
+          </p:cNvSpPr>
+          <p:nvPr>
+            <p:ph idx="1"/>
+          </p:nvPr>
+        </p:nvSpPr>
+        <p:spPr/>
+        <p:txBody>
+          <a:bodyPr/>
+          <a:lstStyle/>
+          <a:p>
+            <a:r>
+              <a:rPr lang="ko-KR" altLang="en-US" dirty="0"/>
+              <a:t>특정 클래스에 객체 인스턴스를 하나만 만들어지도록 해 주는 패턴</a:t>
+            </a:r>
+            <a:endParaRPr lang="en-US" altLang="ko-KR" dirty="0"/>
+          </a:p>
+          <a:p>
+            <a:r>
+              <a:rPr lang="ko-KR" altLang="en-US" dirty="0"/>
+              <a:t>클래스 인스턴스를 하나만 만들고</a:t>
+            </a:r>
+            <a:r>
+              <a:rPr lang="en-US" altLang="ko-KR" dirty="0"/>
+              <a:t>, </a:t>
+            </a:r>
+            <a:r>
+              <a:rPr lang="ko-KR" altLang="en-US" dirty="0"/>
+              <a:t>그 인스턴스로의 전역 접근을 제공</a:t>
+            </a:r>
+            <a:endParaRPr lang="en-US" altLang="ko-KR" dirty="0"/>
+          </a:p>
+          <a:p>
+            <a:endParaRPr lang="en-US" altLang="ko-KR" dirty="0"/>
+          </a:p>
+          <a:p>
+            <a:r>
+              <a:rPr lang="ko-KR" altLang="en-US" dirty="0"/>
+              <a:t>전역 클래스와 다른 점</a:t>
+            </a:r>
+            <a:endParaRPr lang="en-US" altLang="ko-KR" dirty="0"/>
+          </a:p>
+          <a:p>
+            <a:pPr lvl="1"/>
+            <a:r>
+              <a:rPr lang="ko-KR" altLang="en-US" dirty="0"/>
+              <a:t>전역 클래스는 프로그램 시작부터 인스턴스가 생성되어 사용하지 않더라도 생성됨</a:t>
+            </a:r>
+            <a:endParaRPr lang="en-US" altLang="ko-KR" dirty="0"/>
+          </a:p>
+          <a:p>
+            <a:pPr lvl="2">
+              <a:buFont typeface="Wingdings" panose="05000000000000000000" pitchFamily="2" charset="2"/>
+              <a:buChar char="à"/>
+            </a:pPr>
+            <a:r>
+              <a:rPr lang="ko-KR" altLang="en-US" dirty="0">
+                <a:sym typeface="Wingdings" panose="05000000000000000000" pitchFamily="2" charset="2"/>
+              </a:rPr>
+              <a:t>게으른 인스턴스 생성을 할 수 없음</a:t>
+            </a:r>
+            <a:endParaRPr lang="en-US" altLang="ko-KR" dirty="0">
+              <a:sym typeface="Wingdings" panose="05000000000000000000" pitchFamily="2" charset="2"/>
+            </a:endParaRPr>
+          </a:p>
+          <a:p>
+            <a:pPr lvl="1"/>
+            <a:endParaRPr lang="en-US" altLang="ko-KR" dirty="0"/>
+          </a:p>
+          <a:p>
+            <a:endParaRPr lang="ko-KR" altLang="en-US" dirty="0"/>
+          </a:p>
+        </p:txBody>
+      </p:sp>
+      <p:sp>
+        <p:nvSpPr>
+          <p:cNvPr id="4" name="슬라이드 번호 개체 틀 3">
+            <a:extLst>
+              <a:ext uri="{FF2B5EF4-FFF2-40B4-BE49-F238E27FC236}">
+                <a16:creationId xmlns:a16="http://schemas.microsoft.com/office/drawing/2014/main" id="{77FE508A-9AC8-1619-802A-4A107B41A1E7}"/>
+              </a:ext>
+            </a:extLst>
+          </p:cNvPr>
+          <p:cNvSpPr>
+            <a:spLocks noGrp="1"/>
+          </p:cNvSpPr>
+          <p:nvPr>
+            <p:ph type="sldNum" sz="quarter" idx="12"/>
+          </p:nvPr>
+        </p:nvSpPr>
+        <p:spPr/>
+        <p:txBody>
+          <a:bodyPr/>
+          <a:lstStyle/>
+          <a:p>
+            <a:fld id="{D34BE6D4-D926-45B4-AA53-6757BA424B25}" type="slidenum">
+              <a:rPr lang="ko-KR" altLang="en-US" smtClean="0"/>
+              <a:t>3</a:t>
+            </a:fld>
+            <a:endParaRPr lang="ko-KR" altLang="en-US"/>
+          </a:p>
+        </p:txBody>
+      </p:sp>
+    </p:spTree>
+    <p:extLst>
+      <p:ext uri="{BB962C8B-B14F-4D97-AF65-F5344CB8AC3E}">
+        <p14:creationId xmlns:p14="http://schemas.microsoft.com/office/powerpoint/2010/main" val="2021830491"/>
+      </p:ext>
+    </p:extLst>
+  </p:cSld>
+  <p:clrMapOvr>
+    <a:masterClrMapping/>
+  </p:clrMapOvr>
+</p:sld>
+</file>
+
+<file path=ppt/slides/slide4.xml><?xml version="1.0" encoding="utf-8"?>
+<p:sld xmlns:a="http://schemas.openxmlformats.org/drawingml/2006/main" xmlns:r="http://schemas.openxmlformats.org/officeDocument/2006/relationships" xmlns:p="http://schemas.openxmlformats.org/presentationml/2006/main">
+  <p:cSld>
+    <p:spTree>
+      <p:nvGrpSpPr>
+        <p:cNvPr id="1" name=""/>
+        <p:cNvGrpSpPr/>
+        <p:nvPr/>
+      </p:nvGrpSpPr>
+      <p:grpSpPr>
+        <a:xfrm>
+          <a:off x="0" y="0"/>
+          <a:ext cx="0" cy="0"/>
+          <a:chOff x="0" y="0"/>
+          <a:chExt cx="0" cy="0"/>
+        </a:xfrm>
+      </p:grpSpPr>
+      <p:sp>
+        <p:nvSpPr>
+          <p:cNvPr id="5" name="제목 4">
+            <a:extLst>
+              <a:ext uri="{FF2B5EF4-FFF2-40B4-BE49-F238E27FC236}">
+                <a16:creationId xmlns:a16="http://schemas.microsoft.com/office/drawing/2014/main" id="{3EC30EEC-8A90-FABF-620F-E694EE5481F1}"/>
+              </a:ext>
+            </a:extLst>
+          </p:cNvPr>
+          <p:cNvSpPr>
+            <a:spLocks noGrp="1"/>
+          </p:cNvSpPr>
+          <p:nvPr>
+            <p:ph type="title"/>
+          </p:nvPr>
+        </p:nvSpPr>
+        <p:spPr/>
+        <p:txBody>
+          <a:bodyPr/>
+          <a:lstStyle/>
+          <a:p>
+            <a:r>
+              <a:rPr lang="ko-KR" altLang="en-US" err="1"/>
+              <a:t>커맨트</a:t>
+            </a:r>
+            <a:r>
+              <a:rPr lang="ko-KR" altLang="en-US"/>
+              <a:t> 패턴</a:t>
+            </a:r>
+          </a:p>
+        </p:txBody>
+      </p:sp>
+      <p:sp>
+        <p:nvSpPr>
+          <p:cNvPr id="6" name="텍스트 개체 틀 5">
+            <a:extLst>
+              <a:ext uri="{FF2B5EF4-FFF2-40B4-BE49-F238E27FC236}">
+                <a16:creationId xmlns:a16="http://schemas.microsoft.com/office/drawing/2014/main" id="{3EFDD161-A274-89D1-BACC-98A4FBC538AD}"/>
+              </a:ext>
+            </a:extLst>
+          </p:cNvPr>
+          <p:cNvSpPr>
+            <a:spLocks noGrp="1"/>
+          </p:cNvSpPr>
+          <p:nvPr>
+            <p:ph type="body" idx="1"/>
+          </p:nvPr>
+        </p:nvSpPr>
+        <p:spPr/>
+        <p:txBody>
+          <a:bodyPr/>
+          <a:lstStyle/>
+          <a:p>
+            <a:endParaRPr lang="ko-KR" altLang="en-US"/>
+          </a:p>
+        </p:txBody>
+      </p:sp>
+      <p:sp>
+        <p:nvSpPr>
+          <p:cNvPr id="4" name="슬라이드 번호 개체 틀 3">
+            <a:extLst>
+              <a:ext uri="{FF2B5EF4-FFF2-40B4-BE49-F238E27FC236}">
+                <a16:creationId xmlns:a16="http://schemas.microsoft.com/office/drawing/2014/main" id="{9CB4BA5B-334D-259E-F809-5CD40DFDCE5F}"/>
+              </a:ext>
+            </a:extLst>
+          </p:cNvPr>
+          <p:cNvSpPr>
+            <a:spLocks noGrp="1"/>
+          </p:cNvSpPr>
+          <p:nvPr>
+            <p:ph type="sldNum" sz="quarter" idx="12"/>
+          </p:nvPr>
+        </p:nvSpPr>
+        <p:spPr/>
+        <p:txBody>
+          <a:bodyPr/>
+          <a:lstStyle/>
+          <a:p>
+            <a:fld id="{D34BE6D4-D926-45B4-AA53-6757BA424B25}" type="slidenum">
+              <a:rPr lang="ko-KR" altLang="en-US" smtClean="0"/>
+              <a:t>4</a:t>
+            </a:fld>
+            <a:endParaRPr lang="ko-KR" altLang="en-US"/>
+          </a:p>
+        </p:txBody>
+      </p:sp>
+    </p:spTree>
+    <p:extLst>
+      <p:ext uri="{BB962C8B-B14F-4D97-AF65-F5344CB8AC3E}">
+        <p14:creationId xmlns:p14="http://schemas.microsoft.com/office/powerpoint/2010/main" val="3533811092"/>
       </p:ext>
     </p:extLst>
   </p:cSld>

--- a/doc/Design pattern/헤드퍼스트 디자인패턴[5~6].pptx
+++ b/doc/Design pattern/헤드퍼스트 디자인패턴[5~6].pptx
@@ -5,16 +5,17 @@
     <p:sldMasterId id="2147483648" r:id="rId1"/>
   </p:sldMasterIdLst>
   <p:notesMasterIdLst>
-    <p:notesMasterId r:id="rId6"/>
+    <p:notesMasterId r:id="rId7"/>
   </p:notesMasterIdLst>
   <p:handoutMasterIdLst>
-    <p:handoutMasterId r:id="rId7"/>
+    <p:handoutMasterId r:id="rId8"/>
   </p:handoutMasterIdLst>
   <p:sldIdLst>
     <p:sldId id="256" r:id="rId2"/>
     <p:sldId id="271" r:id="rId3"/>
     <p:sldId id="272" r:id="rId4"/>
     <p:sldId id="273" r:id="rId5"/>
+    <p:sldId id="274" r:id="rId6"/>
   </p:sldIdLst>
   <p:sldSz cx="12192000" cy="6858000"/>
   <p:notesSz cx="6858000" cy="9144000"/>
@@ -122,6 +123,7 @@
             <p14:sldId id="271"/>
             <p14:sldId id="272"/>
             <p14:sldId id="273"/>
+            <p14:sldId id="274"/>
           </p14:sldIdLst>
         </p14:section>
       </p14:sectionLst>
@@ -8340,6 +8342,158 @@
     <p:extLst>
       <p:ext uri="{BB962C8B-B14F-4D97-AF65-F5344CB8AC3E}">
         <p14:creationId xmlns:p14="http://schemas.microsoft.com/office/powerpoint/2010/main" val="3533811092"/>
+      </p:ext>
+    </p:extLst>
+  </p:cSld>
+  <p:clrMapOvr>
+    <a:masterClrMapping/>
+  </p:clrMapOvr>
+</p:sld>
+</file>
+
+<file path=ppt/slides/slide5.xml><?xml version="1.0" encoding="utf-8"?>
+<p:sld xmlns:a="http://schemas.openxmlformats.org/drawingml/2006/main" xmlns:r="http://schemas.openxmlformats.org/officeDocument/2006/relationships" xmlns:p="http://schemas.openxmlformats.org/presentationml/2006/main">
+  <p:cSld>
+    <p:spTree>
+      <p:nvGrpSpPr>
+        <p:cNvPr id="1" name=""/>
+        <p:cNvGrpSpPr/>
+        <p:nvPr/>
+      </p:nvGrpSpPr>
+      <p:grpSpPr>
+        <a:xfrm>
+          <a:off x="0" y="0"/>
+          <a:ext cx="0" cy="0"/>
+          <a:chOff x="0" y="0"/>
+          <a:chExt cx="0" cy="0"/>
+        </a:xfrm>
+      </p:grpSpPr>
+      <p:sp>
+        <p:nvSpPr>
+          <p:cNvPr id="5" name="제목 4">
+            <a:extLst>
+              <a:ext uri="{FF2B5EF4-FFF2-40B4-BE49-F238E27FC236}">
+                <a16:creationId xmlns:a16="http://schemas.microsoft.com/office/drawing/2014/main" id="{41B166B8-B440-2813-C55A-13EDC02E2825}"/>
+              </a:ext>
+            </a:extLst>
+          </p:cNvPr>
+          <p:cNvSpPr>
+            <a:spLocks noGrp="1"/>
+          </p:cNvSpPr>
+          <p:nvPr>
+            <p:ph type="title"/>
+          </p:nvPr>
+        </p:nvSpPr>
+        <p:spPr/>
+        <p:txBody>
+          <a:bodyPr>
+            <a:normAutofit fontScale="90000"/>
+          </a:bodyPr>
+          <a:lstStyle/>
+          <a:p>
+            <a:r>
+              <a:rPr lang="ko-KR" altLang="en-US" dirty="0"/>
+              <a:t>커맨드 패턴</a:t>
+            </a:r>
+          </a:p>
+        </p:txBody>
+      </p:sp>
+      <p:sp>
+        <p:nvSpPr>
+          <p:cNvPr id="6" name="내용 개체 틀 5">
+            <a:extLst>
+              <a:ext uri="{FF2B5EF4-FFF2-40B4-BE49-F238E27FC236}">
+                <a16:creationId xmlns:a16="http://schemas.microsoft.com/office/drawing/2014/main" id="{536923B7-AFFA-D77B-5357-ED7DBF39BC3F}"/>
+              </a:ext>
+            </a:extLst>
+          </p:cNvPr>
+          <p:cNvSpPr>
+            <a:spLocks noGrp="1"/>
+          </p:cNvSpPr>
+          <p:nvPr>
+            <p:ph idx="1"/>
+          </p:nvPr>
+        </p:nvSpPr>
+        <p:spPr/>
+        <p:txBody>
+          <a:bodyPr/>
+          <a:lstStyle/>
+          <a:p>
+            <a:r>
+              <a:rPr lang="ko-KR" altLang="en-US" dirty="0"/>
+              <a:t>특정 객체에 관한 특정 작업 요청을 </a:t>
+            </a:r>
+            <a:r>
+              <a:rPr lang="ko-KR" altLang="en-US" dirty="0" err="1"/>
+              <a:t>캡슐화할</a:t>
+            </a:r>
+            <a:r>
+              <a:rPr lang="ko-KR" altLang="en-US" dirty="0"/>
+              <a:t> 수 있다</a:t>
+            </a:r>
+            <a:endParaRPr lang="en-US" altLang="ko-KR" dirty="0"/>
+          </a:p>
+          <a:p>
+            <a:r>
+              <a:rPr lang="ko-KR" altLang="en-US" dirty="0"/>
+              <a:t>요청 내역을 객체로 캡슐화해서 객체를 서로 다른 요청 내역에 따라 </a:t>
+            </a:r>
+            <a:r>
+              <a:rPr lang="ko-KR" altLang="en-US" dirty="0" err="1"/>
+              <a:t>매개변수화할</a:t>
+            </a:r>
+            <a:r>
+              <a:rPr lang="ko-KR" altLang="en-US" dirty="0"/>
+              <a:t> 수 있습니다</a:t>
+            </a:r>
+            <a:r>
+              <a:rPr lang="en-US" altLang="ko-KR" dirty="0"/>
+              <a:t>. </a:t>
+            </a:r>
+            <a:r>
+              <a:rPr lang="ko-KR" altLang="en-US" dirty="0"/>
+              <a:t>이러면 요청을 큐에 저장하거나 로그로 기록하거나 작업 취소 기능을 사용할 수 있습니다</a:t>
+            </a:r>
+            <a:endParaRPr lang="en-US" altLang="ko-KR"/>
+          </a:p>
+          <a:p>
+            <a:endParaRPr lang="en-US" altLang="ko-KR" dirty="0"/>
+          </a:p>
+        </p:txBody>
+      </p:sp>
+      <p:sp>
+        <p:nvSpPr>
+          <p:cNvPr id="4" name="슬라이드 번호 개체 틀 3">
+            <a:extLst>
+              <a:ext uri="{FF2B5EF4-FFF2-40B4-BE49-F238E27FC236}">
+                <a16:creationId xmlns:a16="http://schemas.microsoft.com/office/drawing/2014/main" id="{F3C65C70-1116-6D9A-E142-020A06CE9624}"/>
+              </a:ext>
+            </a:extLst>
+          </p:cNvPr>
+          <p:cNvSpPr>
+            <a:spLocks noGrp="1"/>
+          </p:cNvSpPr>
+          <p:nvPr>
+            <p:ph type="sldNum" sz="quarter" idx="12"/>
+          </p:nvPr>
+        </p:nvSpPr>
+        <p:spPr/>
+        <p:txBody>
+          <a:bodyPr/>
+          <a:lstStyle/>
+          <a:p>
+            <a:fld id="{D34BE6D4-D926-45B4-AA53-6757BA424B25}" type="slidenum">
+              <a:rPr lang="ko-KR" altLang="en-US" smtClean="0"/>
+              <a:t>5</a:t>
+            </a:fld>
+            <a:endParaRPr lang="ko-KR" altLang="en-US"/>
+          </a:p>
+        </p:txBody>
+      </p:sp>
+    </p:spTree>
+    <p:extLst>
+      <p:ext uri="{BB962C8B-B14F-4D97-AF65-F5344CB8AC3E}">
+        <p14:creationId xmlns:p14="http://schemas.microsoft.com/office/powerpoint/2010/main" val="2434972485"/>
       </p:ext>
     </p:extLst>
   </p:cSld>
